--- a/2022/hercules2022_C_photon_transport.pptx
+++ b/2022/hercules2022_C_photon_transport.pptx
@@ -2309,7 +2309,7 @@
             </a:avLst>
           </a:prstGeom>
           <a:solidFill>
-            <a:srgbClr val="00B0F0"/>
+            <a:srgbClr val="FFC000"/>
           </a:solidFill>
           <a:ln w="3175">
             <a:solidFill>
@@ -2369,7 +2369,7 @@
             </a:avLst>
           </a:prstGeom>
           <a:solidFill>
-            <a:srgbClr val="FFC000"/>
+            <a:srgbClr val="00B0F0"/>
           </a:solidFill>
           <a:ln w="3175">
             <a:solidFill>
@@ -3896,62 +3896,6 @@
           </a:fontRef>
         </p:style>
       </p:cxnSp>
-      <p:sp>
-        <p:nvSpPr>
-          <p:cNvPr id="122" name="Cube 121">
-            <a:extLst>
-              <a:ext uri="{FF2B5EF4-FFF2-40B4-BE49-F238E27FC236}">
-                <a16:creationId xmlns:a16="http://schemas.microsoft.com/office/drawing/2014/main" id="{882F7662-B86F-4ADB-8E50-CCB264E003D8}"/>
-              </a:ext>
-            </a:extLst>
-          </p:cNvPr>
-          <p:cNvSpPr/>
-          <p:nvPr/>
-        </p:nvSpPr>
-        <p:spPr>
-          <a:xfrm rot="20838084">
-            <a:off x="5021933" y="1644939"/>
-            <a:ext cx="409168" cy="117684"/>
-          </a:xfrm>
-          <a:prstGeom prst="cube">
-            <a:avLst>
-              <a:gd name="adj" fmla="val 66159"/>
-            </a:avLst>
-          </a:prstGeom>
-          <a:solidFill>
-            <a:srgbClr val="FFC000"/>
-          </a:solidFill>
-          <a:ln w="3175">
-            <a:solidFill>
-              <a:schemeClr val="tx1"/>
-            </a:solidFill>
-          </a:ln>
-        </p:spPr>
-        <p:style>
-          <a:lnRef idx="2">
-            <a:schemeClr val="accent1">
-              <a:shade val="50000"/>
-            </a:schemeClr>
-          </a:lnRef>
-          <a:fillRef idx="1">
-            <a:schemeClr val="accent1"/>
-          </a:fillRef>
-          <a:effectRef idx="0">
-            <a:schemeClr val="accent1"/>
-          </a:effectRef>
-          <a:fontRef idx="minor">
-            <a:schemeClr val="lt1"/>
-          </a:fontRef>
-        </p:style>
-        <p:txBody>
-          <a:bodyPr rtlCol="0" anchor="ctr"/>
-          <a:lstStyle/>
-          <a:p>
-            <a:pPr algn="ctr"/>
-            <a:endParaRPr lang="en-GB"/>
-          </a:p>
-        </p:txBody>
-      </p:sp>
       <p:cxnSp>
         <p:nvCxnSpPr>
           <p:cNvPr id="123" name="Straight Connector 122">
@@ -4101,7 +4045,7 @@
             </a:avLst>
           </a:prstGeom>
           <a:solidFill>
-            <a:srgbClr val="00B0F0"/>
+            <a:srgbClr val="FFC000"/>
           </a:solidFill>
           <a:ln w="3175">
             <a:solidFill>
@@ -4599,6 +4543,62 @@
           </a:p>
         </p:txBody>
       </p:sp>
+      <p:sp>
+        <p:nvSpPr>
+          <p:cNvPr id="122" name="Cube 121">
+            <a:extLst>
+              <a:ext uri="{FF2B5EF4-FFF2-40B4-BE49-F238E27FC236}">
+                <a16:creationId xmlns:a16="http://schemas.microsoft.com/office/drawing/2014/main" id="{882F7662-B86F-4ADB-8E50-CCB264E003D8}"/>
+              </a:ext>
+            </a:extLst>
+          </p:cNvPr>
+          <p:cNvSpPr/>
+          <p:nvPr/>
+        </p:nvSpPr>
+        <p:spPr>
+          <a:xfrm rot="20838084">
+            <a:off x="5021933" y="1644939"/>
+            <a:ext cx="409168" cy="117684"/>
+          </a:xfrm>
+          <a:prstGeom prst="cube">
+            <a:avLst>
+              <a:gd name="adj" fmla="val 66159"/>
+            </a:avLst>
+          </a:prstGeom>
+          <a:solidFill>
+            <a:srgbClr val="00B0F0"/>
+          </a:solidFill>
+          <a:ln w="3175">
+            <a:solidFill>
+              <a:schemeClr val="tx1"/>
+            </a:solidFill>
+          </a:ln>
+        </p:spPr>
+        <p:style>
+          <a:lnRef idx="2">
+            <a:schemeClr val="accent1">
+              <a:shade val="50000"/>
+            </a:schemeClr>
+          </a:lnRef>
+          <a:fillRef idx="1">
+            <a:schemeClr val="accent1"/>
+          </a:fillRef>
+          <a:effectRef idx="0">
+            <a:schemeClr val="accent1"/>
+          </a:effectRef>
+          <a:fontRef idx="minor">
+            <a:schemeClr val="lt1"/>
+          </a:fontRef>
+        </p:style>
+        <p:txBody>
+          <a:bodyPr rtlCol="0" anchor="ctr"/>
+          <a:lstStyle/>
+          <a:p>
+            <a:pPr algn="ctr"/>
+            <a:endParaRPr lang="en-GB"/>
+          </a:p>
+        </p:txBody>
+      </p:sp>
     </p:spTree>
     <p:extLst>
       <p:ext uri="{BB962C8B-B14F-4D97-AF65-F5344CB8AC3E}">
@@ -4948,10 +4948,6 @@
           <a:bodyPr/>
           <a:lstStyle/>
           <a:p>
-            <a:r>
-              <a:rPr lang="en-US" sz="1800" dirty="0"/>
-              <a:t>TITLE</a:t>
-            </a:r>
             <a:endParaRPr lang="en-GB" sz="1800" cap="none" dirty="0"/>
           </a:p>
         </p:txBody>
@@ -5141,32 +5137,32 @@
           <a:lstStyle/>
           <a:p>
             <a:r>
-              <a:rPr lang="en-US" sz="2000" dirty="0"/>
+              <a:rPr lang="en-US" sz="1800" dirty="0"/>
               <a:t>Approximating emission at resonance by Gaussians</a:t>
             </a:r>
             <a:br>
-              <a:rPr lang="en-US" sz="2000" dirty="0"/>
+              <a:rPr lang="en-US" sz="1800" dirty="0"/>
             </a:br>
             <a:r>
-              <a:rPr lang="en-US" sz="1200" dirty="0" err="1"/>
+              <a:rPr lang="en-US" sz="1100" dirty="0" err="1"/>
               <a:t>Onuki</a:t>
             </a:r>
             <a:r>
-              <a:rPr lang="en-US" sz="1200" dirty="0"/>
+              <a:rPr lang="en-US" sz="1100" dirty="0"/>
               <a:t> &amp; </a:t>
             </a:r>
             <a:r>
-              <a:rPr lang="en-US" sz="1200" dirty="0" err="1"/>
+              <a:rPr lang="en-US" sz="1100" dirty="0" err="1"/>
               <a:t>Elleaume</a:t>
             </a:r>
             <a:r>
-              <a:rPr lang="en-US" sz="1200" dirty="0"/>
+              <a:rPr lang="en-US" sz="1100" dirty="0"/>
               <a:t> Undulators, Wigglers  and their applications, CRC press, 2002</a:t>
             </a:r>
             <a:br>
-              <a:rPr lang="en-US" sz="1200" dirty="0"/>
+              <a:rPr lang="en-US" sz="1100" dirty="0"/>
             </a:br>
-            <a:endParaRPr lang="en-GB" sz="1200" cap="none" dirty="0"/>
+            <a:endParaRPr lang="en-GB" sz="1100" cap="none" dirty="0"/>
           </a:p>
         </p:txBody>
       </p:sp>
@@ -5338,7 +5334,7 @@
           <a:graphicData uri="http://schemas.openxmlformats.org/presentationml/2006/ole">
             <mc:AlternateContent xmlns:mc="http://schemas.openxmlformats.org/markup-compatibility/2006">
               <mc:Choice xmlns:v="urn:schemas-microsoft-com:vml" Requires="v">
-                <p:oleObj spid="_x0000_s1059" name="Equation" r:id="rId4" imgW="1332921" imgH="444307" progId="">
+                <p:oleObj spid="_x0000_s1074" name="Equation" r:id="rId4" imgW="1332921" imgH="444307" progId="">
                   <p:embed/>
                 </p:oleObj>
               </mc:Choice>
@@ -5445,7 +5441,7 @@
           <a:graphicData uri="http://schemas.openxmlformats.org/presentationml/2006/ole">
             <mc:AlternateContent xmlns:mc="http://schemas.openxmlformats.org/markup-compatibility/2006">
               <mc:Choice xmlns:v="urn:schemas-microsoft-com:vml" Requires="v">
-                <p:oleObj spid="_x0000_s1060" name="Equation" r:id="rId6" imgW="1574800" imgH="444500" progId="">
+                <p:oleObj spid="_x0000_s1075" name="Equation" r:id="rId6" imgW="1574800" imgH="444500" progId="">
                   <p:embed/>
                 </p:oleObj>
               </mc:Choice>
@@ -5552,7 +5548,7 @@
           <a:graphicData uri="http://schemas.openxmlformats.org/presentationml/2006/ole">
             <mc:AlternateContent xmlns:mc="http://schemas.openxmlformats.org/markup-compatibility/2006">
               <mc:Choice xmlns:v="urn:schemas-microsoft-com:vml" Requires="v">
-                <p:oleObj spid="_x0000_s1061" name="Equation" r:id="rId8" imgW="1244600" imgH="393700" progId="">
+                <p:oleObj spid="_x0000_s1076" name="Equation" r:id="rId8" imgW="1244600" imgH="393700" progId="">
                   <p:embed/>
                 </p:oleObj>
               </mc:Choice>
@@ -5693,7 +5689,7 @@
         </p:blipFill>
         <p:spPr bwMode="auto">
           <a:xfrm>
-            <a:off x="0" y="625252"/>
+            <a:off x="0" y="649966"/>
             <a:ext cx="4449395" cy="3538538"/>
           </a:xfrm>
           <a:prstGeom prst="rect">
@@ -6239,16 +6235,24 @@
             <a:p>
               <a:pPr algn="ctr"/>
               <a:r>
-                <a:rPr lang="en-US" sz="2400" b="1" dirty="0" err="1">
+                <a:rPr lang="en-US" sz="2400" b="1" dirty="0">
                   <a:solidFill>
-                    <a:srgbClr val="F9D09B"/>
+                    <a:srgbClr val="A9D0F5"/>
                   </a:solidFill>
                 </a:rPr>
-                <a:t>shadowOui</a:t>
+                <a:t>S</a:t>
+              </a:r>
+              <a:r>
+                <a:rPr lang="en-US" sz="2400" b="1" dirty="0" smtClean="0">
+                  <a:solidFill>
+                    <a:srgbClr val="A9D0F5"/>
+                  </a:solidFill>
+                </a:rPr>
+                <a:t>hadowOui</a:t>
               </a:r>
               <a:endParaRPr lang="en-US" sz="2400" b="1" dirty="0">
                 <a:solidFill>
-                  <a:srgbClr val="F9D09B"/>
+                  <a:srgbClr val="A9D0F5"/>
                 </a:solidFill>
               </a:endParaRPr>
             </a:p>
@@ -6273,7 +6277,7 @@
             <a:noFill/>
             <a:ln w="57150">
               <a:solidFill>
-                <a:srgbClr val="FDD4A4"/>
+                <a:srgbClr val="A3C8EC"/>
               </a:solidFill>
             </a:ln>
           </p:spPr>
@@ -6673,16 +6677,24 @@
             <a:p>
               <a:pPr algn="ctr"/>
               <a:r>
-                <a:rPr lang="en-US" sz="2400" b="1" dirty="0" err="1">
+                <a:rPr lang="en-US" sz="2400" b="1" dirty="0">
                   <a:solidFill>
-                    <a:srgbClr val="F9D09B"/>
+                    <a:srgbClr val="A3C8EC"/>
                   </a:solidFill>
                 </a:rPr>
-                <a:t>shadowOui</a:t>
+                <a:t>S</a:t>
+              </a:r>
+              <a:r>
+                <a:rPr lang="en-US" sz="2400" b="1" dirty="0" smtClean="0">
+                  <a:solidFill>
+                    <a:srgbClr val="A3C8EC"/>
+                  </a:solidFill>
+                </a:rPr>
+                <a:t>hadowOui</a:t>
               </a:r>
               <a:endParaRPr lang="en-US" sz="2400" b="1" dirty="0">
                 <a:solidFill>
-                  <a:srgbClr val="F9D09B"/>
+                  <a:srgbClr val="A3C8EC"/>
                 </a:solidFill>
               </a:endParaRPr>
             </a:p>
@@ -6713,7 +6725,7 @@
             <a:noFill/>
             <a:ln w="57150">
               <a:solidFill>
-                <a:srgbClr val="FDD4A4"/>
+                <a:srgbClr val="A3C8EC"/>
               </a:solidFill>
             </a:ln>
           </p:spPr>
@@ -7141,7 +7153,7 @@
           </a:ln>
           <a:extLst>
             <a:ext uri="{91240B29-F687-4f45-9708-019B960494DF}">
-              <a14:hiddenLine xmlns:a14="http://schemas.microsoft.com/office/drawing/2010/main" xmlns="" w="9525">
+              <a14:hiddenLine xmlns="" xmlns:a14="http://schemas.microsoft.com/office/drawing/2010/main" w="9525">
                 <a:solidFill>
                   <a:srgbClr val="000000"/>
                 </a:solidFill>
@@ -7215,7 +7227,7 @@
             </a:ln>
             <a:extLst>
               <a:ext uri="{909E8E84-426E-40dd-AFC4-6F175D3DCCD1}">
-                <a14:hiddenFill xmlns:a14="http://schemas.microsoft.com/office/drawing/2010/main" xmlns="">
+                <a14:hiddenFill xmlns="" xmlns:a14="http://schemas.microsoft.com/office/drawing/2010/main">
                   <a:noFill/>
                 </a14:hiddenFill>
               </a:ext>
@@ -7262,7 +7274,7 @@
             </a:ln>
             <a:extLst>
               <a:ext uri="{909E8E84-426E-40dd-AFC4-6F175D3DCCD1}">
-                <a14:hiddenFill xmlns:a14="http://schemas.microsoft.com/office/drawing/2010/main" xmlns="">
+                <a14:hiddenFill xmlns="" xmlns:a14="http://schemas.microsoft.com/office/drawing/2010/main">
                   <a:noFill/>
                 </a14:hiddenFill>
               </a:ext>
@@ -7309,7 +7321,7 @@
             </a:ln>
             <a:extLst>
               <a:ext uri="{909E8E84-426E-40dd-AFC4-6F175D3DCCD1}">
-                <a14:hiddenFill xmlns:a14="http://schemas.microsoft.com/office/drawing/2010/main" xmlns="">
+                <a14:hiddenFill xmlns="" xmlns:a14="http://schemas.microsoft.com/office/drawing/2010/main">
                   <a:noFill/>
                 </a14:hiddenFill>
               </a:ext>
@@ -7352,14 +7364,14 @@
           </a:ln>
           <a:extLst>
             <a:ext uri="{909E8E84-426E-40dd-AFC4-6F175D3DCCD1}">
-              <a14:hiddenFill xmlns:a14="http://schemas.microsoft.com/office/drawing/2010/main" xmlns="">
+              <a14:hiddenFill xmlns="" xmlns:a14="http://schemas.microsoft.com/office/drawing/2010/main">
                 <a:solidFill>
                   <a:srgbClr val="FFFFFF"/>
                 </a:solidFill>
               </a14:hiddenFill>
             </a:ext>
             <a:ext uri="{91240B29-F687-4f45-9708-019B960494DF}">
-              <a14:hiddenLine xmlns:a14="http://schemas.microsoft.com/office/drawing/2010/main" xmlns="" w="9525">
+              <a14:hiddenLine xmlns="" xmlns:a14="http://schemas.microsoft.com/office/drawing/2010/main" w="9525">
                 <a:solidFill>
                   <a:srgbClr val="000000"/>
                 </a:solidFill>
@@ -7839,7 +7851,7 @@
             </a:ln>
             <a:extLst>
               <a:ext uri="{909E8E84-426E-40dd-AFC4-6F175D3DCCD1}">
-                <a14:hiddenFill xmlns:a14="http://schemas.microsoft.com/office/drawing/2010/main" xmlns="">
+                <a14:hiddenFill xmlns="" xmlns:a14="http://schemas.microsoft.com/office/drawing/2010/main">
                   <a:noFill/>
                 </a14:hiddenFill>
               </a:ext>
@@ -7898,7 +7910,7 @@
             <a:graphicData uri="http://schemas.openxmlformats.org/presentationml/2006/ole">
               <mc:AlternateContent xmlns:mc="http://schemas.openxmlformats.org/markup-compatibility/2006">
                 <mc:Choice xmlns:v="urn:schemas-microsoft-com:vml" Requires="v">
-                  <p:oleObj spid="_x0000_s2052" name="Equation" r:id="rId4" imgW="152280" imgH="139680" progId="Equation.DSMT4">
+                  <p:oleObj spid="_x0000_s2062" name="Equation" r:id="rId4" imgW="152280" imgH="139680" progId="Equation.DSMT4">
                     <p:embed/>
                   </p:oleObj>
                 </mc:Choice>
@@ -7941,14 +7953,14 @@
                         <a:effectLst/>
                         <a:extLst>
                           <a:ext uri="{909E8E84-426E-40dd-AFC4-6F175D3DCCD1}">
-                            <a14:hiddenFill xmlns:a14="http://schemas.microsoft.com/office/drawing/2010/main" xmlns="">
+                            <a14:hiddenFill xmlns="" xmlns:a14="http://schemas.microsoft.com/office/drawing/2010/main">
                               <a:solidFill>
                                 <a:srgbClr val="FFFFFF"/>
                               </a:solidFill>
                             </a14:hiddenFill>
                           </a:ext>
                           <a:ext uri="{91240B29-F687-4f45-9708-019B960494DF}">
-                            <a14:hiddenLine xmlns:a14="http://schemas.microsoft.com/office/drawing/2010/main" xmlns="" w="9525">
+                            <a14:hiddenLine xmlns="" xmlns:a14="http://schemas.microsoft.com/office/drawing/2010/main" w="9525">
                               <a:solidFill>
                                 <a:srgbClr val="000000"/>
                               </a:solidFill>
@@ -7958,7 +7970,7 @@
                             </a14:hiddenLine>
                           </a:ext>
                           <a:ext uri="{AF507438-7753-43e0-B8FC-AC1667EBCBE1}">
-                            <a14:hiddenEffects xmlns:a14="http://schemas.microsoft.com/office/drawing/2010/main" xmlns="">
+                            <a14:hiddenEffects xmlns="" xmlns:a14="http://schemas.microsoft.com/office/drawing/2010/main">
                               <a:effectLst>
                                 <a:outerShdw dist="35921" dir="2700000" algn="ctr" rotWithShape="0">
                                   <a:srgbClr val="808080"/>
@@ -8181,7 +8193,7 @@
               </a:ln>
               <a:extLst>
                 <a:ext uri="{909E8E84-426E-40dd-AFC4-6F175D3DCCD1}">
-                  <a14:hiddenFill xmlns:a14="http://schemas.microsoft.com/office/drawing/2010/main" xmlns="">
+                  <a14:hiddenFill xmlns="" xmlns:a14="http://schemas.microsoft.com/office/drawing/2010/main">
                     <a:noFill/>
                   </a14:hiddenFill>
                 </a:ext>
@@ -8228,7 +8240,7 @@
               </a:ln>
               <a:extLst>
                 <a:ext uri="{909E8E84-426E-40dd-AFC4-6F175D3DCCD1}">
-                  <a14:hiddenFill xmlns:a14="http://schemas.microsoft.com/office/drawing/2010/main" xmlns="">
+                  <a14:hiddenFill xmlns="" xmlns:a14="http://schemas.microsoft.com/office/drawing/2010/main">
                     <a:noFill/>
                   </a14:hiddenFill>
                 </a:ext>
@@ -8275,7 +8287,7 @@
               </a:ln>
               <a:extLst>
                 <a:ext uri="{909E8E84-426E-40dd-AFC4-6F175D3DCCD1}">
-                  <a14:hiddenFill xmlns:a14="http://schemas.microsoft.com/office/drawing/2010/main" xmlns="">
+                  <a14:hiddenFill xmlns="" xmlns:a14="http://schemas.microsoft.com/office/drawing/2010/main">
                     <a:noFill/>
                   </a14:hiddenFill>
                 </a:ext>
@@ -8322,7 +8334,7 @@
               </a:ln>
               <a:extLst>
                 <a:ext uri="{909E8E84-426E-40dd-AFC4-6F175D3DCCD1}">
-                  <a14:hiddenFill xmlns:a14="http://schemas.microsoft.com/office/drawing/2010/main" xmlns="">
+                  <a14:hiddenFill xmlns="" xmlns:a14="http://schemas.microsoft.com/office/drawing/2010/main">
                     <a:noFill/>
                   </a14:hiddenFill>
                 </a:ext>
@@ -8369,7 +8381,7 @@
               </a:ln>
               <a:extLst>
                 <a:ext uri="{909E8E84-426E-40dd-AFC4-6F175D3DCCD1}">
-                  <a14:hiddenFill xmlns:a14="http://schemas.microsoft.com/office/drawing/2010/main" xmlns="">
+                  <a14:hiddenFill xmlns="" xmlns:a14="http://schemas.microsoft.com/office/drawing/2010/main">
                     <a:noFill/>
                   </a14:hiddenFill>
                 </a:ext>
@@ -8593,7 +8605,7 @@
             </a:ln>
             <a:extLst>
               <a:ext uri="{909E8E84-426E-40dd-AFC4-6F175D3DCCD1}">
-                <a14:hiddenFill xmlns:a14="http://schemas.microsoft.com/office/drawing/2010/main" xmlns="">
+                <a14:hiddenFill xmlns="" xmlns:a14="http://schemas.microsoft.com/office/drawing/2010/main">
                   <a:noFill/>
                 </a14:hiddenFill>
               </a:ext>
@@ -8635,14 +8647,14 @@
             </a:ln>
             <a:extLst>
               <a:ext uri="{909E8E84-426E-40dd-AFC4-6F175D3DCCD1}">
-                <a14:hiddenFill xmlns:a14="http://schemas.microsoft.com/office/drawing/2010/main" xmlns="">
+                <a14:hiddenFill xmlns="" xmlns:a14="http://schemas.microsoft.com/office/drawing/2010/main">
                   <a:solidFill>
                     <a:srgbClr val="FFFFFF"/>
                   </a:solidFill>
                 </a14:hiddenFill>
               </a:ext>
               <a:ext uri="{91240B29-F687-4f45-9708-019B960494DF}">
-                <a14:hiddenLine xmlns:a14="http://schemas.microsoft.com/office/drawing/2010/main" xmlns="" w="9525">
+                <a14:hiddenLine xmlns="" xmlns:a14="http://schemas.microsoft.com/office/drawing/2010/main" w="9525">
                   <a:solidFill>
                     <a:srgbClr val="000000"/>
                   </a:solidFill>
@@ -9039,7 +9051,7 @@
               </a:ln>
               <a:extLst>
                 <a:ext uri="{91240B29-F687-4f45-9708-019B960494DF}">
-                  <a14:hiddenLine xmlns:a14="http://schemas.microsoft.com/office/drawing/2010/main" xmlns="" w="9525">
+                  <a14:hiddenLine xmlns="" xmlns:a14="http://schemas.microsoft.com/office/drawing/2010/main" w="9525">
                     <a:solidFill>
                       <a:srgbClr val="000000"/>
                     </a:solidFill>
@@ -9091,7 +9103,7 @@
               </a:ln>
               <a:extLst>
                 <a:ext uri="{909E8E84-426E-40dd-AFC4-6F175D3DCCD1}">
-                  <a14:hiddenFill xmlns:a14="http://schemas.microsoft.com/office/drawing/2010/main" xmlns="">
+                  <a14:hiddenFill xmlns="" xmlns:a14="http://schemas.microsoft.com/office/drawing/2010/main">
                     <a:noFill/>
                   </a14:hiddenFill>
                 </a:ext>
@@ -9133,14 +9145,14 @@
               </a:ln>
               <a:extLst>
                 <a:ext uri="{909E8E84-426E-40dd-AFC4-6F175D3DCCD1}">
-                  <a14:hiddenFill xmlns:a14="http://schemas.microsoft.com/office/drawing/2010/main" xmlns="">
+                  <a14:hiddenFill xmlns="" xmlns:a14="http://schemas.microsoft.com/office/drawing/2010/main">
                     <a:solidFill>
                       <a:srgbClr val="FFFFFF"/>
                     </a:solidFill>
                   </a14:hiddenFill>
                 </a:ext>
                 <a:ext uri="{91240B29-F687-4f45-9708-019B960494DF}">
-                  <a14:hiddenLine xmlns:a14="http://schemas.microsoft.com/office/drawing/2010/main" xmlns="" w="9525">
+                  <a14:hiddenLine xmlns="" xmlns:a14="http://schemas.microsoft.com/office/drawing/2010/main" w="9525">
                     <a:solidFill>
                       <a:srgbClr val="000000"/>
                     </a:solidFill>
@@ -9310,14 +9322,14 @@
               </a:ln>
               <a:extLst>
                 <a:ext uri="{909E8E84-426E-40dd-AFC4-6F175D3DCCD1}">
-                  <a14:hiddenFill xmlns:a14="http://schemas.microsoft.com/office/drawing/2010/main" xmlns="">
+                  <a14:hiddenFill xmlns="" xmlns:a14="http://schemas.microsoft.com/office/drawing/2010/main">
                     <a:solidFill>
                       <a:srgbClr val="FFFFFF"/>
                     </a:solidFill>
                   </a14:hiddenFill>
                 </a:ext>
                 <a:ext uri="{91240B29-F687-4f45-9708-019B960494DF}">
-                  <a14:hiddenLine xmlns:a14="http://schemas.microsoft.com/office/drawing/2010/main" xmlns="" w="9525">
+                  <a14:hiddenLine xmlns="" xmlns:a14="http://schemas.microsoft.com/office/drawing/2010/main" w="9525">
                     <a:solidFill>
                       <a:srgbClr val="000000"/>
                     </a:solidFill>
@@ -9487,14 +9499,14 @@
               </a:ln>
               <a:extLst>
                 <a:ext uri="{909E8E84-426E-40dd-AFC4-6F175D3DCCD1}">
-                  <a14:hiddenFill xmlns:a14="http://schemas.microsoft.com/office/drawing/2010/main" xmlns="">
+                  <a14:hiddenFill xmlns="" xmlns:a14="http://schemas.microsoft.com/office/drawing/2010/main">
                     <a:solidFill>
                       <a:srgbClr val="FFFFFF"/>
                     </a:solidFill>
                   </a14:hiddenFill>
                 </a:ext>
                 <a:ext uri="{91240B29-F687-4f45-9708-019B960494DF}">
-                  <a14:hiddenLine xmlns:a14="http://schemas.microsoft.com/office/drawing/2010/main" xmlns="" w="9525">
+                  <a14:hiddenLine xmlns="" xmlns:a14="http://schemas.microsoft.com/office/drawing/2010/main" w="9525">
                     <a:solidFill>
                       <a:srgbClr val="000000"/>
                     </a:solidFill>
@@ -9692,7 +9704,7 @@
               </a:ln>
               <a:extLst>
                 <a:ext uri="{909E8E84-426E-40dd-AFC4-6F175D3DCCD1}">
-                  <a14:hiddenFill xmlns:a14="http://schemas.microsoft.com/office/drawing/2010/main" xmlns="">
+                  <a14:hiddenFill xmlns="" xmlns:a14="http://schemas.microsoft.com/office/drawing/2010/main">
                     <a:noFill/>
                   </a14:hiddenFill>
                 </a:ext>
@@ -9739,7 +9751,7 @@
               </a:ln>
               <a:extLst>
                 <a:ext uri="{909E8E84-426E-40dd-AFC4-6F175D3DCCD1}">
-                  <a14:hiddenFill xmlns:a14="http://schemas.microsoft.com/office/drawing/2010/main" xmlns="">
+                  <a14:hiddenFill xmlns="" xmlns:a14="http://schemas.microsoft.com/office/drawing/2010/main">
                     <a:noFill/>
                   </a14:hiddenFill>
                 </a:ext>
@@ -9786,7 +9798,7 @@
               </a:ln>
               <a:extLst>
                 <a:ext uri="{909E8E84-426E-40dd-AFC4-6F175D3DCCD1}">
-                  <a14:hiddenFill xmlns:a14="http://schemas.microsoft.com/office/drawing/2010/main" xmlns="">
+                  <a14:hiddenFill xmlns="" xmlns:a14="http://schemas.microsoft.com/office/drawing/2010/main">
                     <a:noFill/>
                   </a14:hiddenFill>
                 </a:ext>
@@ -9828,14 +9840,14 @@
               </a:ln>
               <a:extLst>
                 <a:ext uri="{909E8E84-426E-40dd-AFC4-6F175D3DCCD1}">
-                  <a14:hiddenFill xmlns:a14="http://schemas.microsoft.com/office/drawing/2010/main" xmlns="">
+                  <a14:hiddenFill xmlns="" xmlns:a14="http://schemas.microsoft.com/office/drawing/2010/main">
                     <a:solidFill>
                       <a:srgbClr val="FFFFFF"/>
                     </a:solidFill>
                   </a14:hiddenFill>
                 </a:ext>
                 <a:ext uri="{91240B29-F687-4f45-9708-019B960494DF}">
-                  <a14:hiddenLine xmlns:a14="http://schemas.microsoft.com/office/drawing/2010/main" xmlns="" w="9525">
+                  <a14:hiddenLine xmlns="" xmlns:a14="http://schemas.microsoft.com/office/drawing/2010/main" w="9525">
                     <a:solidFill>
                       <a:srgbClr val="000000"/>
                     </a:solidFill>
@@ -10012,7 +10024,7 @@
           </a:ln>
           <a:extLst>
             <a:ext uri="{909E8E84-426E-40dd-AFC4-6F175D3DCCD1}">
-              <a14:hiddenFill xmlns:a14="http://schemas.microsoft.com/office/drawing/2010/main" xmlns="">
+              <a14:hiddenFill xmlns="" xmlns:a14="http://schemas.microsoft.com/office/drawing/2010/main">
                 <a:noFill/>
               </a14:hiddenFill>
             </a:ext>
@@ -10054,14 +10066,14 @@
           </a:ln>
           <a:extLst>
             <a:ext uri="{909E8E84-426E-40dd-AFC4-6F175D3DCCD1}">
-              <a14:hiddenFill xmlns:a14="http://schemas.microsoft.com/office/drawing/2010/main" xmlns="">
+              <a14:hiddenFill xmlns="" xmlns:a14="http://schemas.microsoft.com/office/drawing/2010/main">
                 <a:solidFill>
                   <a:srgbClr val="FFFFFF"/>
                 </a:solidFill>
               </a14:hiddenFill>
             </a:ext>
             <a:ext uri="{91240B29-F687-4f45-9708-019B960494DF}">
-              <a14:hiddenLine xmlns:a14="http://schemas.microsoft.com/office/drawing/2010/main" xmlns="" w="9525">
+              <a14:hiddenLine xmlns="" xmlns:a14="http://schemas.microsoft.com/office/drawing/2010/main" w="9525">
                 <a:solidFill>
                   <a:srgbClr val="000000"/>
                 </a:solidFill>
@@ -10231,14 +10243,14 @@
           </a:ln>
           <a:extLst>
             <a:ext uri="{909E8E84-426E-40dd-AFC4-6F175D3DCCD1}">
-              <a14:hiddenFill xmlns:a14="http://schemas.microsoft.com/office/drawing/2010/main" xmlns="">
+              <a14:hiddenFill xmlns="" xmlns:a14="http://schemas.microsoft.com/office/drawing/2010/main">
                 <a:solidFill>
                   <a:srgbClr val="FFFFFF"/>
                 </a:solidFill>
               </a14:hiddenFill>
             </a:ext>
             <a:ext uri="{91240B29-F687-4f45-9708-019B960494DF}">
-              <a14:hiddenLine xmlns:a14="http://schemas.microsoft.com/office/drawing/2010/main" xmlns="" w="9525">
+              <a14:hiddenLine xmlns="" xmlns:a14="http://schemas.microsoft.com/office/drawing/2010/main" w="9525">
                 <a:solidFill>
                   <a:srgbClr val="000000"/>
                 </a:solidFill>
@@ -10491,7 +10503,7 @@
             </a:ln>
             <a:extLst>
               <a:ext uri="{909E8E84-426E-40dd-AFC4-6F175D3DCCD1}">
-                <a14:hiddenFill xmlns:a14="http://schemas.microsoft.com/office/drawing/2010/main" xmlns="">
+                <a14:hiddenFill xmlns="" xmlns:a14="http://schemas.microsoft.com/office/drawing/2010/main">
                   <a:solidFill>
                     <a:srgbClr val="FFFFFF"/>
                   </a:solidFill>
@@ -10529,7 +10541,7 @@
             <a:graphicData uri="http://schemas.openxmlformats.org/presentationml/2006/ole">
               <mc:AlternateContent xmlns:mc="http://schemas.openxmlformats.org/markup-compatibility/2006">
                 <mc:Choice xmlns:v="urn:schemas-microsoft-com:vml" Requires="v">
-                  <p:oleObj spid="_x0000_s2053" name="Equation" r:id="rId6" imgW="152280" imgH="228600" progId="Equation.DSMT4">
+                  <p:oleObj spid="_x0000_s2063" name="Equation" r:id="rId6" imgW="152280" imgH="228600" progId="Equation.DSMT4">
                     <p:embed/>
                   </p:oleObj>
                 </mc:Choice>
@@ -10572,14 +10584,14 @@
                         <a:effectLst/>
                         <a:extLst>
                           <a:ext uri="{909E8E84-426E-40dd-AFC4-6F175D3DCCD1}">
-                            <a14:hiddenFill xmlns:a14="http://schemas.microsoft.com/office/drawing/2010/main" xmlns="">
+                            <a14:hiddenFill xmlns="" xmlns:a14="http://schemas.microsoft.com/office/drawing/2010/main">
                               <a:solidFill>
                                 <a:srgbClr val="FFFFFF"/>
                               </a:solidFill>
                             </a14:hiddenFill>
                           </a:ext>
                           <a:ext uri="{91240B29-F687-4f45-9708-019B960494DF}">
-                            <a14:hiddenLine xmlns:a14="http://schemas.microsoft.com/office/drawing/2010/main" xmlns="" w="9525">
+                            <a14:hiddenLine xmlns="" xmlns:a14="http://schemas.microsoft.com/office/drawing/2010/main" w="9525">
                               <a:solidFill>
                                 <a:srgbClr val="000000"/>
                               </a:solidFill>
@@ -10589,7 +10601,7 @@
                             </a14:hiddenLine>
                           </a:ext>
                           <a:ext uri="{AF507438-7753-43e0-B8FC-AC1667EBCBE1}">
-                            <a14:hiddenEffects xmlns:a14="http://schemas.microsoft.com/office/drawing/2010/main" xmlns="">
+                            <a14:hiddenEffects xmlns="" xmlns:a14="http://schemas.microsoft.com/office/drawing/2010/main">
                               <a:effectLst>
                                 <a:outerShdw dist="35921" dir="2700000" algn="ctr" rotWithShape="0">
                                   <a:srgbClr val="808080"/>
@@ -10683,7 +10695,7 @@
                 </a:ln>
                 <a:extLst>
                   <a:ext uri="{909E8E84-426E-40dd-AFC4-6F175D3DCCD1}">
-                    <a14:hiddenFill xmlns:a14="http://schemas.microsoft.com/office/drawing/2010/main" xmlns="">
+                    <a14:hiddenFill xmlns="" xmlns:a14="http://schemas.microsoft.com/office/drawing/2010/main">
                       <a:noFill/>
                     </a14:hiddenFill>
                   </a:ext>
@@ -10730,7 +10742,7 @@
                 </a:ln>
                 <a:extLst>
                   <a:ext uri="{909E8E84-426E-40dd-AFC4-6F175D3DCCD1}">
-                    <a14:hiddenFill xmlns:a14="http://schemas.microsoft.com/office/drawing/2010/main" xmlns="">
+                    <a14:hiddenFill xmlns="" xmlns:a14="http://schemas.microsoft.com/office/drawing/2010/main">
                       <a:noFill/>
                     </a14:hiddenFill>
                   </a:ext>
@@ -10777,7 +10789,7 @@
                 </a:ln>
                 <a:extLst>
                   <a:ext uri="{909E8E84-426E-40dd-AFC4-6F175D3DCCD1}">
-                    <a14:hiddenFill xmlns:a14="http://schemas.microsoft.com/office/drawing/2010/main" xmlns="">
+                    <a14:hiddenFill xmlns="" xmlns:a14="http://schemas.microsoft.com/office/drawing/2010/main">
                       <a:noFill/>
                     </a14:hiddenFill>
                   </a:ext>
@@ -10820,14 +10832,14 @@
               </a:ln>
               <a:extLst>
                 <a:ext uri="{909E8E84-426E-40dd-AFC4-6F175D3DCCD1}">
-                  <a14:hiddenFill xmlns:a14="http://schemas.microsoft.com/office/drawing/2010/main" xmlns="">
+                  <a14:hiddenFill xmlns="" xmlns:a14="http://schemas.microsoft.com/office/drawing/2010/main">
                     <a:solidFill>
                       <a:srgbClr val="FFFFFF"/>
                     </a:solidFill>
                   </a14:hiddenFill>
                 </a:ext>
                 <a:ext uri="{91240B29-F687-4f45-9708-019B960494DF}">
-                  <a14:hiddenLine xmlns:a14="http://schemas.microsoft.com/office/drawing/2010/main" xmlns="" w="9525">
+                  <a14:hiddenLine xmlns="" xmlns:a14="http://schemas.microsoft.com/office/drawing/2010/main" w="9525">
                     <a:solidFill>
                       <a:srgbClr val="000000"/>
                     </a:solidFill>
@@ -10997,14 +11009,14 @@
               </a:ln>
               <a:extLst>
                 <a:ext uri="{909E8E84-426E-40dd-AFC4-6F175D3DCCD1}">
-                  <a14:hiddenFill xmlns:a14="http://schemas.microsoft.com/office/drawing/2010/main" xmlns="">
+                  <a14:hiddenFill xmlns="" xmlns:a14="http://schemas.microsoft.com/office/drawing/2010/main">
                     <a:solidFill>
                       <a:srgbClr val="FFFFFF"/>
                     </a:solidFill>
                   </a14:hiddenFill>
                 </a:ext>
                 <a:ext uri="{91240B29-F687-4f45-9708-019B960494DF}">
-                  <a14:hiddenLine xmlns:a14="http://schemas.microsoft.com/office/drawing/2010/main" xmlns="" w="9525">
+                  <a14:hiddenLine xmlns="" xmlns:a14="http://schemas.microsoft.com/office/drawing/2010/main" w="9525">
                     <a:solidFill>
                       <a:srgbClr val="000000"/>
                     </a:solidFill>
@@ -11174,14 +11186,14 @@
               </a:ln>
               <a:extLst>
                 <a:ext uri="{909E8E84-426E-40dd-AFC4-6F175D3DCCD1}">
-                  <a14:hiddenFill xmlns:a14="http://schemas.microsoft.com/office/drawing/2010/main" xmlns="">
+                  <a14:hiddenFill xmlns="" xmlns:a14="http://schemas.microsoft.com/office/drawing/2010/main">
                     <a:solidFill>
                       <a:srgbClr val="FFFFFF"/>
                     </a:solidFill>
                   </a14:hiddenFill>
                 </a:ext>
                 <a:ext uri="{91240B29-F687-4f45-9708-019B960494DF}">
-                  <a14:hiddenLine xmlns:a14="http://schemas.microsoft.com/office/drawing/2010/main" xmlns="" w="9525">
+                  <a14:hiddenLine xmlns="" xmlns:a14="http://schemas.microsoft.com/office/drawing/2010/main" w="9525">
                     <a:solidFill>
                       <a:srgbClr val="000000"/>
                     </a:solidFill>
@@ -11380,7 +11392,7 @@
             </a:ln>
             <a:extLst>
               <a:ext uri="{909E8E84-426E-40dd-AFC4-6F175D3DCCD1}">
-                <a14:hiddenFill xmlns:a14="http://schemas.microsoft.com/office/drawing/2010/main" xmlns="">
+                <a14:hiddenFill xmlns="" xmlns:a14="http://schemas.microsoft.com/office/drawing/2010/main">
                   <a:noFill/>
                 </a14:hiddenFill>
               </a:ext>
@@ -11834,7 +11846,7 @@
             </a:ln>
             <a:extLst>
               <a:ext uri="{909E8E84-426E-40dd-AFC4-6F175D3DCCD1}">
-                <a14:hiddenFill xmlns:a14="http://schemas.microsoft.com/office/drawing/2010/main" xmlns="">
+                <a14:hiddenFill xmlns="" xmlns:a14="http://schemas.microsoft.com/office/drawing/2010/main">
                   <a:noFill/>
                 </a14:hiddenFill>
               </a:ext>
@@ -11881,7 +11893,7 @@
             </a:ln>
             <a:extLst>
               <a:ext uri="{909E8E84-426E-40dd-AFC4-6F175D3DCCD1}">
-                <a14:hiddenFill xmlns:a14="http://schemas.microsoft.com/office/drawing/2010/main" xmlns="">
+                <a14:hiddenFill xmlns="" xmlns:a14="http://schemas.microsoft.com/office/drawing/2010/main">
                   <a:noFill/>
                 </a14:hiddenFill>
               </a:ext>
@@ -12437,7 +12449,7 @@
                 </a:ln>
                 <a:extLst>
                   <a:ext uri="{909E8E84-426E-40dd-AFC4-6F175D3DCCD1}">
-                    <a14:hiddenFill xmlns:a14="http://schemas.microsoft.com/office/drawing/2010/main" xmlns="">
+                    <a14:hiddenFill xmlns="" xmlns:a14="http://schemas.microsoft.com/office/drawing/2010/main">
                       <a:noFill/>
                     </a14:hiddenFill>
                   </a:ext>
@@ -12480,14 +12492,14 @@
               </a:ln>
               <a:extLst>
                 <a:ext uri="{909E8E84-426E-40dd-AFC4-6F175D3DCCD1}">
-                  <a14:hiddenFill xmlns:a14="http://schemas.microsoft.com/office/drawing/2010/main" xmlns="">
+                  <a14:hiddenFill xmlns="" xmlns:a14="http://schemas.microsoft.com/office/drawing/2010/main">
                     <a:solidFill>
                       <a:srgbClr val="FFFFFF"/>
                     </a:solidFill>
                   </a14:hiddenFill>
                 </a:ext>
                 <a:ext uri="{91240B29-F687-4f45-9708-019B960494DF}">
-                  <a14:hiddenLine xmlns:a14="http://schemas.microsoft.com/office/drawing/2010/main" xmlns="" w="9525">
+                  <a14:hiddenLine xmlns="" xmlns:a14="http://schemas.microsoft.com/office/drawing/2010/main" w="9525">
                     <a:solidFill>
                       <a:srgbClr val="000000"/>
                     </a:solidFill>
@@ -14226,7 +14238,7 @@
             </a:avLst>
           </a:prstGeom>
           <a:solidFill>
-            <a:srgbClr val="00B0F0"/>
+            <a:srgbClr val="FFC000"/>
           </a:solidFill>
           <a:ln w="3175">
             <a:solidFill>
@@ -14280,7 +14292,7 @@
             </a:avLst>
           </a:prstGeom>
           <a:solidFill>
-            <a:srgbClr val="FFC000"/>
+            <a:srgbClr val="00B0F0"/>
           </a:solidFill>
           <a:ln w="3175">
             <a:solidFill>
@@ -16064,56 +16076,6 @@
           </a:fontRef>
         </p:style>
       </p:cxnSp>
-      <p:sp>
-        <p:nvSpPr>
-          <p:cNvPr id="62" name="Cube 61"/>
-          <p:cNvSpPr/>
-          <p:nvPr/>
-        </p:nvSpPr>
-        <p:spPr>
-          <a:xfrm rot="20838084">
-            <a:off x="5021933" y="2645734"/>
-            <a:ext cx="409168" cy="117684"/>
-          </a:xfrm>
-          <a:prstGeom prst="cube">
-            <a:avLst>
-              <a:gd name="adj" fmla="val 66159"/>
-            </a:avLst>
-          </a:prstGeom>
-          <a:solidFill>
-            <a:srgbClr val="FFC000"/>
-          </a:solidFill>
-          <a:ln w="3175">
-            <a:solidFill>
-              <a:schemeClr val="tx1"/>
-            </a:solidFill>
-          </a:ln>
-        </p:spPr>
-        <p:style>
-          <a:lnRef idx="2">
-            <a:schemeClr val="accent1">
-              <a:shade val="50000"/>
-            </a:schemeClr>
-          </a:lnRef>
-          <a:fillRef idx="1">
-            <a:schemeClr val="accent1"/>
-          </a:fillRef>
-          <a:effectRef idx="0">
-            <a:schemeClr val="accent1"/>
-          </a:effectRef>
-          <a:fontRef idx="minor">
-            <a:schemeClr val="lt1"/>
-          </a:fontRef>
-        </p:style>
-        <p:txBody>
-          <a:bodyPr rtlCol="0" anchor="ctr"/>
-          <a:lstStyle/>
-          <a:p>
-            <a:pPr algn="ctr"/>
-            <a:endParaRPr lang="en-GB"/>
-          </a:p>
-        </p:txBody>
-      </p:sp>
       <p:cxnSp>
         <p:nvCxnSpPr>
           <p:cNvPr id="63" name="Straight Connector 62"/>
@@ -16239,7 +16201,7 @@
             </a:avLst>
           </a:prstGeom>
           <a:solidFill>
-            <a:srgbClr val="00B0F0"/>
+            <a:srgbClr val="FFC000"/>
           </a:solidFill>
           <a:ln w="3175">
             <a:solidFill>
@@ -17376,6 +17338,56 @@
               <a:t>51 m</a:t>
             </a:r>
             <a:endParaRPr lang="en-GB" dirty="0"/>
+          </a:p>
+        </p:txBody>
+      </p:sp>
+      <p:sp>
+        <p:nvSpPr>
+          <p:cNvPr id="62" name="Cube 61"/>
+          <p:cNvSpPr/>
+          <p:nvPr/>
+        </p:nvSpPr>
+        <p:spPr>
+          <a:xfrm rot="20838084">
+            <a:off x="5021933" y="2645734"/>
+            <a:ext cx="409168" cy="117684"/>
+          </a:xfrm>
+          <a:prstGeom prst="cube">
+            <a:avLst>
+              <a:gd name="adj" fmla="val 66159"/>
+            </a:avLst>
+          </a:prstGeom>
+          <a:solidFill>
+            <a:srgbClr val="00B0F0"/>
+          </a:solidFill>
+          <a:ln w="3175">
+            <a:solidFill>
+              <a:schemeClr val="tx1"/>
+            </a:solidFill>
+          </a:ln>
+        </p:spPr>
+        <p:style>
+          <a:lnRef idx="2">
+            <a:schemeClr val="accent1">
+              <a:shade val="50000"/>
+            </a:schemeClr>
+          </a:lnRef>
+          <a:fillRef idx="1">
+            <a:schemeClr val="accent1"/>
+          </a:fillRef>
+          <a:effectRef idx="0">
+            <a:schemeClr val="accent1"/>
+          </a:effectRef>
+          <a:fontRef idx="minor">
+            <a:schemeClr val="lt1"/>
+          </a:fontRef>
+        </p:style>
+        <p:txBody>
+          <a:bodyPr rtlCol="0" anchor="ctr"/>
+          <a:lstStyle/>
+          <a:p>
+            <a:pPr algn="ctr"/>
+            <a:endParaRPr lang="en-GB"/>
           </a:p>
         </p:txBody>
       </p:sp>
